--- a/mcp-servers/python/pptx_server/examples/templates/corporate_template.pptx
+++ b/mcp-servers/python/pptx_server/examples/templates/corporate_template.pptx
@@ -8,7 +8,7 @@
     <p:sldId id="256" r:id="rId7"/>
     <p:sldId id="257" r:id="rId8"/>
   </p:sldIdLst>
-  <p:sldSz cx="9144000" cy="6858000" type="screen4x3"/>
+  <p:sldSz cx="12188952" cy="6858000" type="screen4x3"/>
   <p:notesSz cx="6858000" cy="9144000"/>
   <p:defaultTextStyle>
     <a:defPPr>
@@ -3262,7 +3262,7 @@
         <p:spPr>
           <a:xfrm>
             <a:off x="1371600" y="2286000"/>
-            <a:ext cx="6400800" cy="3657600"/>
+            <a:ext cx="9144000" cy="3657600"/>
           </a:xfrm>
           <a:prstGeom prst="rect">
             <a:avLst/>
